--- a/downloads/BAFA_Welcome_Thursday.pptx
+++ b/downloads/BAFA_Welcome_Thursday.pptx
@@ -9,9 +9,9 @@
   </p:handoutMasterIdLst>
   <p:sldIdLst>
     <p:sldId id="256" r:id="rId2"/>
-    <p:sldId id="257" r:id="rId3"/>
+    <p:sldId id="260" r:id="rId3"/>
     <p:sldId id="259" r:id="rId4"/>
-    <p:sldId id="260" r:id="rId5"/>
+    <p:sldId id="261" r:id="rId5"/>
   </p:sldIdLst>
   <p:sldSz cx="9144000" cy="6858000" type="screen4x3"/>
   <p:notesSz cx="6858000" cy="9144000"/>
@@ -110,6 +110,14 @@
       </a:defRPr>
     </a:lvl9pPr>
   </p:defaultTextStyle>
+  <p:extLst>
+    <p:ext uri="{EFAFB233-063F-42B5-8137-9DF3F51BA10A}">
+      <p15:sldGuideLst xmlns:p15="http://schemas.microsoft.com/office/powerpoint/2012/main"/>
+    </p:ext>
+    <p:ext uri="{2D200454-40CA-4A62-9FC3-DE9A4176ACB9}">
+      <p15:notesGuideLst xmlns:p15="http://schemas.microsoft.com/office/powerpoint/2012/main"/>
+    </p:ext>
+  </p:extLst>
 </p:presentation>
 </file>
 
@@ -2320,39 +2328,70 @@
           <a:bodyPr anchor="ctr">
             <a:normAutofit/>
           </a:bodyPr>
-          <a:lstStyle/>
+          <a:lstStyle>
+            <a:lvl1pPr>
+              <a:buClr>
+                <a:schemeClr val="accent1"/>
+              </a:buClr>
+              <a:defRPr/>
+            </a:lvl1pPr>
+            <a:lvl2pPr>
+              <a:buClr>
+                <a:schemeClr val="accent1"/>
+              </a:buClr>
+              <a:defRPr/>
+            </a:lvl2pPr>
+            <a:lvl3pPr>
+              <a:buClr>
+                <a:schemeClr val="accent1"/>
+              </a:buClr>
+              <a:defRPr/>
+            </a:lvl3pPr>
+            <a:lvl4pPr>
+              <a:buClr>
+                <a:schemeClr val="accent1"/>
+              </a:buClr>
+              <a:defRPr/>
+            </a:lvl4pPr>
+            <a:lvl5pPr>
+              <a:buClr>
+                <a:schemeClr val="accent1"/>
+              </a:buClr>
+              <a:defRPr/>
+            </a:lvl5pPr>
+          </a:lstStyle>
           <a:p>
             <a:pPr lvl="0"/>
             <a:r>
-              <a:rPr lang="en-US" smtClean="0"/>
+              <a:rPr lang="en-US" dirty="0" smtClean="0"/>
               <a:t>Click to edit Master text styles</a:t>
             </a:r>
           </a:p>
           <a:p>
             <a:pPr lvl="1"/>
             <a:r>
-              <a:rPr lang="en-US" smtClean="0"/>
+              <a:rPr lang="en-US" dirty="0" smtClean="0"/>
               <a:t>Second level</a:t>
             </a:r>
           </a:p>
           <a:p>
             <a:pPr lvl="2"/>
             <a:r>
-              <a:rPr lang="en-US" smtClean="0"/>
+              <a:rPr lang="en-US" dirty="0" smtClean="0"/>
               <a:t>Third level</a:t>
             </a:r>
           </a:p>
           <a:p>
             <a:pPr lvl="3"/>
             <a:r>
-              <a:rPr lang="en-US" smtClean="0"/>
+              <a:rPr lang="en-US" dirty="0" smtClean="0"/>
               <a:t>Fourth level</a:t>
             </a:r>
           </a:p>
           <a:p>
             <a:pPr lvl="4"/>
             <a:r>
-              <a:rPr lang="en-US" smtClean="0"/>
+              <a:rPr lang="en-US" dirty="0" smtClean="0"/>
               <a:t>Fifth level</a:t>
             </a:r>
             <a:endParaRPr lang="en-US" dirty="0"/>
@@ -2383,35 +2422,35 @@
           <a:p>
             <a:pPr lvl="0"/>
             <a:r>
-              <a:rPr lang="en-US" smtClean="0"/>
+              <a:rPr lang="en-US" dirty="0" smtClean="0"/>
               <a:t>Click to edit Master text styles</a:t>
             </a:r>
           </a:p>
           <a:p>
             <a:pPr lvl="1"/>
             <a:r>
-              <a:rPr lang="en-US" smtClean="0"/>
+              <a:rPr lang="en-US" dirty="0" smtClean="0"/>
               <a:t>Second level</a:t>
             </a:r>
           </a:p>
           <a:p>
             <a:pPr lvl="2"/>
             <a:r>
-              <a:rPr lang="en-US" smtClean="0"/>
+              <a:rPr lang="en-US" dirty="0" smtClean="0"/>
               <a:t>Third level</a:t>
             </a:r>
           </a:p>
           <a:p>
             <a:pPr lvl="3"/>
             <a:r>
-              <a:rPr lang="en-US" smtClean="0"/>
+              <a:rPr lang="en-US" dirty="0" smtClean="0"/>
               <a:t>Fourth level</a:t>
             </a:r>
           </a:p>
           <a:p>
             <a:pPr lvl="4"/>
             <a:r>
-              <a:rPr lang="en-US" smtClean="0"/>
+              <a:rPr lang="en-US" dirty="0" smtClean="0"/>
               <a:t>Fifth level</a:t>
             </a:r>
             <a:endParaRPr lang="en-US" dirty="0"/>
@@ -3426,35 +3465,35 @@
           <a:p>
             <a:pPr lvl="0"/>
             <a:r>
-              <a:rPr lang="en-US" smtClean="0"/>
+              <a:rPr lang="en-US" dirty="0" smtClean="0"/>
               <a:t>Click to edit Master text styles</a:t>
             </a:r>
           </a:p>
           <a:p>
             <a:pPr lvl="1"/>
             <a:r>
-              <a:rPr lang="en-US" smtClean="0"/>
+              <a:rPr lang="en-US" dirty="0" smtClean="0"/>
               <a:t>Second level</a:t>
             </a:r>
           </a:p>
           <a:p>
             <a:pPr lvl="2"/>
             <a:r>
-              <a:rPr lang="en-US" smtClean="0"/>
+              <a:rPr lang="en-US" dirty="0" smtClean="0"/>
               <a:t>Third level</a:t>
             </a:r>
           </a:p>
           <a:p>
             <a:pPr lvl="3"/>
             <a:r>
-              <a:rPr lang="en-US" smtClean="0"/>
+              <a:rPr lang="en-US" dirty="0" smtClean="0"/>
               <a:t>Fourth level</a:t>
             </a:r>
           </a:p>
           <a:p>
             <a:pPr lvl="4"/>
             <a:r>
-              <a:rPr lang="en-US" smtClean="0"/>
+              <a:rPr lang="en-US" dirty="0" smtClean="0"/>
               <a:t>Fifth level</a:t>
             </a:r>
             <a:endParaRPr lang="en-US" dirty="0"/>
@@ -3582,7 +3621,7 @@
           <a:spcPts val="600"/>
         </a:spcAft>
         <a:buClr>
-          <a:schemeClr val="tx1"/>
+          <a:schemeClr val="accent1"/>
         </a:buClr>
         <a:buSzPct val="80000"/>
         <a:buFont typeface="Wingdings 3" panose="05040102010807070707" pitchFamily="18" charset="2"/>
@@ -3607,7 +3646,7 @@
           <a:spcPts val="600"/>
         </a:spcAft>
         <a:buClr>
-          <a:schemeClr val="tx1"/>
+          <a:schemeClr val="accent1"/>
         </a:buClr>
         <a:buSzPct val="80000"/>
         <a:buFont typeface="Wingdings 3" panose="05040102010807070707" pitchFamily="18" charset="2"/>
@@ -3632,7 +3671,7 @@
           <a:spcPts val="600"/>
         </a:spcAft>
         <a:buClr>
-          <a:schemeClr val="tx1"/>
+          <a:schemeClr val="accent1"/>
         </a:buClr>
         <a:buSzPct val="80000"/>
         <a:buFont typeface="Wingdings 3" panose="05040102010807070707" pitchFamily="18" charset="2"/>
@@ -3657,7 +3696,7 @@
           <a:spcPts val="600"/>
         </a:spcAft>
         <a:buClr>
-          <a:schemeClr val="tx1"/>
+          <a:schemeClr val="accent1"/>
         </a:buClr>
         <a:buSzPct val="80000"/>
         <a:buFont typeface="Wingdings 3" panose="05040102010807070707" pitchFamily="18" charset="2"/>
@@ -3682,7 +3721,7 @@
           <a:spcPts val="600"/>
         </a:spcAft>
         <a:buClr>
-          <a:schemeClr val="tx1"/>
+          <a:schemeClr val="accent1"/>
         </a:buClr>
         <a:buSzPct val="80000"/>
         <a:buFont typeface="Wingdings 3" panose="05040102010807070707" pitchFamily="18" charset="2"/>
@@ -4158,25 +4197,6 @@
       </p:grpSpPr>
       <p:sp>
         <p:nvSpPr>
-          <p:cNvPr id="2" name="Title 1"/>
-          <p:cNvSpPr>
-            <a:spLocks noGrp="1"/>
-          </p:cNvSpPr>
-          <p:nvPr>
-            <p:ph type="title"/>
-          </p:nvPr>
-        </p:nvSpPr>
-        <p:spPr/>
-        <p:txBody>
-          <a:bodyPr/>
-          <a:lstStyle/>
-          <a:p>
-            <a:endParaRPr lang="en-US"/>
-          </a:p>
-        </p:txBody>
-      </p:sp>
-      <p:sp>
-        <p:nvSpPr>
           <p:cNvPr id="3" name="Content Placeholder 2"/>
           <p:cNvSpPr>
             <a:spLocks noGrp="1"/>
@@ -4200,10 +4220,39 @@
                 <a:cs typeface="Consolas" panose="020B0609020204030204" pitchFamily="49" charset="0"/>
                 <a:hlinkClick r:id="rId2"/>
               </a:rPr>
-              <a:t>https://bafa2017.github.io</a:t>
+              <a:t>https://</a:t>
+            </a:r>
+            <a:r>
+              <a:rPr lang="en-US" dirty="0" smtClean="0">
+                <a:latin typeface="Consolas" panose="020B0609020204030204" pitchFamily="49" charset="0"/>
+                <a:cs typeface="Consolas" panose="020B0609020204030204" pitchFamily="49" charset="0"/>
+                <a:hlinkClick r:id="rId2"/>
+              </a:rPr>
+              <a:t>bafa2017.github.io</a:t>
             </a:r>
             <a:endParaRPr lang="en-US" dirty="0" smtClean="0">
               <a:latin typeface="Consolas" panose="020B0609020204030204" pitchFamily="49" charset="0"/>
+              <a:cs typeface="Consolas" panose="020B0609020204030204" pitchFamily="49" charset="0"/>
+            </a:endParaRPr>
+          </a:p>
+          <a:p>
+            <a:pPr lvl="1"/>
+            <a:r>
+              <a:rPr lang="en-US" dirty="0" smtClean="0">
+                <a:cs typeface="Consolas" panose="020B0609020204030204" pitchFamily="49" charset="0"/>
+              </a:rPr>
+              <a:t>Program, Venues</a:t>
+            </a:r>
+          </a:p>
+          <a:p>
+            <a:pPr lvl="1"/>
+            <a:r>
+              <a:rPr lang="en-US" dirty="0" smtClean="0">
+                <a:cs typeface="Consolas" panose="020B0609020204030204" pitchFamily="49" charset="0"/>
+              </a:rPr>
+              <a:t>Slides and results</a:t>
+            </a:r>
+            <a:endParaRPr lang="en-US" dirty="0" smtClean="0">
               <a:cs typeface="Consolas" panose="020B0609020204030204" pitchFamily="49" charset="0"/>
             </a:endParaRPr>
           </a:p>
@@ -4256,13 +4305,25 @@
             </a:endParaRPr>
           </a:p>
           <a:p>
+            <a:pPr lvl="1"/>
+            <a:r>
+              <a:rPr lang="en-US" dirty="0" smtClean="0">
+                <a:cs typeface="Consolas" panose="020B0609020204030204" pitchFamily="49" charset="0"/>
+              </a:rPr>
+              <a:t>Communicate with other participants</a:t>
+            </a:r>
+          </a:p>
+          <a:p>
+            <a:pPr lvl="1"/>
+            <a:r>
+              <a:rPr lang="en-US" dirty="0" smtClean="0">
+                <a:cs typeface="Consolas" panose="020B0609020204030204" pitchFamily="49" charset="0"/>
+              </a:rPr>
+              <a:t>Upload presentations and results</a:t>
+            </a:r>
             <a:endParaRPr lang="en-US" dirty="0" smtClean="0">
-              <a:latin typeface="Consolas" panose="020B0609020204030204" pitchFamily="49" charset="0"/>
               <a:cs typeface="Consolas" panose="020B0609020204030204" pitchFamily="49" charset="0"/>
             </a:endParaRPr>
-          </a:p>
-          <a:p>
-            <a:endParaRPr lang="en-US" dirty="0"/>
           </a:p>
         </p:txBody>
       </p:sp>
@@ -4288,7 +4349,7 @@
         </p:blipFill>
         <p:spPr>
           <a:xfrm>
-            <a:off x="2793078" y="2257902"/>
+            <a:off x="2793078" y="2681851"/>
             <a:ext cx="333895" cy="333895"/>
           </a:xfrm>
           <a:prstGeom prst="rect">
@@ -4299,7 +4360,7 @@
     </p:spTree>
     <p:extLst>
       <p:ext uri="{BB962C8B-B14F-4D97-AF65-F5344CB8AC3E}">
-        <p14:creationId xmlns:p14="http://schemas.microsoft.com/office/powerpoint/2010/main" val="971660105"/>
+        <p14:creationId xmlns:p14="http://schemas.microsoft.com/office/powerpoint/2010/main" val="2475380124"/>
       </p:ext>
     </p:extLst>
   </p:cSld>
@@ -4343,14 +4404,14 @@
             <p:ph idx="1"/>
             <p:extLst>
               <p:ext uri="{D42A27DB-BD31-4B8C-83A1-F6EECF244321}">
-                <p14:modId xmlns:p14="http://schemas.microsoft.com/office/powerpoint/2010/main" val="2244691364"/>
+                <p14:modId xmlns:p14="http://schemas.microsoft.com/office/powerpoint/2010/main" val="1308313918"/>
               </p:ext>
             </p:extLst>
           </p:nvPr>
         </p:nvGraphicFramePr>
         <p:xfrm>
           <a:off x="533400" y="1462805"/>
-          <a:ext cx="6554788" cy="3870960"/>
+          <a:ext cx="6554788" cy="4175760"/>
         </p:xfrm>
         <a:graphic>
           <a:graphicData uri="http://schemas.openxmlformats.org/drawingml/2006/table">
@@ -4716,6 +4777,64 @@
                         </a:rPr>
                         <a:t>break</a:t>
                       </a:r>
+                      <a:endParaRPr lang="en-US" sz="1400" dirty="0">
+                        <a:solidFill>
+                          <a:schemeClr val="bg1"/>
+                        </a:solidFill>
+                      </a:endParaRPr>
+                    </a:p>
+                  </a:txBody>
+                  <a:tcPr anchor="ctr">
+                    <a:lnL>
+                      <a:noFill/>
+                    </a:lnL>
+                    <a:lnR>
+                      <a:noFill/>
+                    </a:lnR>
+                    <a:lnT>
+                      <a:noFill/>
+                    </a:lnT>
+                    <a:lnB>
+                      <a:noFill/>
+                    </a:lnB>
+                    <a:noFill/>
+                  </a:tcPr>
+                </a:tc>
+              </a:tr>
+              <a:tr h="0">
+                <a:tc>
+                  <a:txBody>
+                    <a:bodyPr/>
+                    <a:lstStyle/>
+                    <a:p>
+                      <a:endParaRPr lang="en-US" sz="1400">
+                        <a:solidFill>
+                          <a:schemeClr val="bg1"/>
+                        </a:solidFill>
+                      </a:endParaRPr>
+                    </a:p>
+                  </a:txBody>
+                  <a:tcPr anchor="ctr">
+                    <a:lnL>
+                      <a:noFill/>
+                    </a:lnL>
+                    <a:lnR>
+                      <a:noFill/>
+                    </a:lnR>
+                    <a:lnT>
+                      <a:noFill/>
+                    </a:lnT>
+                    <a:lnB>
+                      <a:noFill/>
+                    </a:lnB>
+                    <a:noFill/>
+                  </a:tcPr>
+                </a:tc>
+                <a:tc>
+                  <a:txBody>
+                    <a:bodyPr/>
+                    <a:lstStyle/>
+                    <a:p>
                       <a:endParaRPr lang="en-US" sz="1400" dirty="0">
                         <a:solidFill>
                           <a:schemeClr val="bg1"/>
@@ -5282,6 +5401,22 @@
                         </a:rPr>
                         <a:t>Reception</a:t>
                       </a:r>
+                      <a:r>
+                        <a:rPr lang="nl-NL" sz="1400" i="1" dirty="0" smtClean="0">
+                          <a:solidFill>
+                            <a:schemeClr val="bg1"/>
+                          </a:solidFill>
+                        </a:rPr>
+                        <a:t> </a:t>
+                      </a:r>
+                      <a:r>
+                        <a:rPr lang="nl-NL" sz="1200" i="1" dirty="0" smtClean="0">
+                          <a:solidFill>
+                            <a:schemeClr val="bg1"/>
+                          </a:solidFill>
+                        </a:rPr>
+                        <a:t>@ De Rechtbank, Korte Nieuwstraat 14</a:t>
+                      </a:r>
                       <a:endParaRPr lang="nl-NL" sz="1400" i="1" dirty="0" smtClean="0">
                         <a:solidFill>
                           <a:schemeClr val="bg1"/>
@@ -5369,7 +5504,7 @@
 </file>
 
 <file path=ppt/slides/slide4.xml><?xml version="1.0" encoding="utf-8"?>
-<p:sld xmlns:a="http://schemas.openxmlformats.org/drawingml/2006/main" xmlns:r="http://schemas.openxmlformats.org/officeDocument/2006/relationships" xmlns:p="http://schemas.openxmlformats.org/presentationml/2006/main">
+<p:sld xmlns:a="http://schemas.openxmlformats.org/drawingml/2006/main" xmlns:r="http://schemas.openxmlformats.org/officeDocument/2006/relationships" xmlns:p="http://schemas.openxmlformats.org/presentationml/2006/main" show="0">
   <p:cSld>
     <p:spTree>
       <p:nvGrpSpPr>
@@ -5385,1057 +5520,189 @@
           <a:chExt cx="0" cy="0"/>
         </a:xfrm>
       </p:grpSpPr>
-      <p:graphicFrame>
-        <p:nvGraphicFramePr>
-          <p:cNvPr id="4" name="Content Placeholder 3"/>
-          <p:cNvGraphicFramePr>
-            <a:graphicFrameLocks noGrp="1"/>
-          </p:cNvGraphicFramePr>
-          <p:nvPr>
-            <p:ph idx="1"/>
-            <p:extLst>
-              <p:ext uri="{D42A27DB-BD31-4B8C-83A1-F6EECF244321}">
-                <p14:modId xmlns:p14="http://schemas.microsoft.com/office/powerpoint/2010/main" val="2938994421"/>
-              </p:ext>
-            </p:extLst>
-          </p:nvPr>
-        </p:nvGraphicFramePr>
-        <p:xfrm>
-          <a:off x="533400" y="1462805"/>
-          <a:ext cx="6554788" cy="3962400"/>
-        </p:xfrm>
-        <a:graphic>
-          <a:graphicData uri="http://schemas.openxmlformats.org/drawingml/2006/table">
-            <a:tbl>
-              <a:tblPr/>
-              <a:tblGrid>
-                <a:gridCol w="1602971"/>
-                <a:gridCol w="4951817"/>
-              </a:tblGrid>
-              <a:tr h="0">
-                <a:tc>
-                  <a:txBody>
-                    <a:bodyPr/>
-                    <a:lstStyle/>
-                    <a:p>
-                      <a:r>
-                        <a:rPr lang="en-US" sz="1400" dirty="0" smtClean="0">
-                          <a:solidFill>
-                            <a:schemeClr val="bg1"/>
-                          </a:solidFill>
-                        </a:rPr>
-                        <a:t>09:00 - 09:15</a:t>
-                      </a:r>
-                      <a:endParaRPr lang="en-US" sz="1400" dirty="0">
-                        <a:solidFill>
-                          <a:schemeClr val="bg1"/>
-                        </a:solidFill>
-                      </a:endParaRPr>
-                    </a:p>
-                  </a:txBody>
-                  <a:tcPr anchor="ctr">
-                    <a:lnL>
-                      <a:noFill/>
-                    </a:lnL>
-                    <a:lnR>
-                      <a:noFill/>
-                    </a:lnR>
-                    <a:lnT>
-                      <a:noFill/>
-                    </a:lnT>
-                    <a:lnB>
-                      <a:noFill/>
-                    </a:lnB>
-                  </a:tcPr>
-                </a:tc>
-                <a:tc>
-                  <a:txBody>
-                    <a:bodyPr/>
-                    <a:lstStyle/>
-                    <a:p>
-                      <a:r>
-                        <a:rPr lang="en-US" sz="1400" dirty="0" smtClean="0">
-                          <a:solidFill>
-                            <a:schemeClr val="bg1"/>
-                          </a:solidFill>
-                        </a:rPr>
-                        <a:t>Coffee, Tea</a:t>
-                      </a:r>
-                      <a:endParaRPr lang="en-US" sz="1400" dirty="0">
-                        <a:solidFill>
-                          <a:schemeClr val="bg1"/>
-                        </a:solidFill>
-                      </a:endParaRPr>
-                    </a:p>
-                  </a:txBody>
-                  <a:tcPr anchor="ctr">
-                    <a:lnL>
-                      <a:noFill/>
-                    </a:lnL>
-                    <a:lnR>
-                      <a:noFill/>
-                    </a:lnR>
-                    <a:lnT>
-                      <a:noFill/>
-                    </a:lnT>
-                    <a:lnB>
-                      <a:noFill/>
-                    </a:lnB>
-                  </a:tcPr>
-                </a:tc>
-              </a:tr>
-              <a:tr h="0">
-                <a:tc>
-                  <a:txBody>
-                    <a:bodyPr/>
-                    <a:lstStyle/>
-                    <a:p>
-                      <a:r>
-                        <a:rPr lang="en-US" sz="1400" dirty="0">
-                          <a:solidFill>
-                            <a:schemeClr val="bg1"/>
-                          </a:solidFill>
-                        </a:rPr>
-                        <a:t>09:15 - 10:15</a:t>
-                      </a:r>
-                    </a:p>
-                  </a:txBody>
-                  <a:tcPr anchor="ctr">
-                    <a:lnL>
-                      <a:noFill/>
-                    </a:lnL>
-                    <a:lnR>
-                      <a:noFill/>
-                    </a:lnR>
-                    <a:lnT>
-                      <a:noFill/>
-                    </a:lnT>
-                    <a:lnB>
-                      <a:noFill/>
-                    </a:lnB>
-                    <a:solidFill>
-                      <a:schemeClr val="accent5"/>
-                    </a:solidFill>
-                  </a:tcPr>
-                </a:tc>
-                <a:tc>
-                  <a:txBody>
-                    <a:bodyPr/>
-                    <a:lstStyle/>
-                    <a:p>
-                      <a:r>
-                        <a:rPr lang="en-US" sz="1400" b="0" dirty="0" smtClean="0">
-                          <a:solidFill>
-                            <a:schemeClr val="bg1"/>
-                          </a:solidFill>
-                        </a:rPr>
-                        <a:t>Keynote</a:t>
-                      </a:r>
-                      <a:r>
-                        <a:rPr lang="en-US" sz="1400" b="0" baseline="0" dirty="0" smtClean="0">
-                          <a:solidFill>
-                            <a:schemeClr val="bg1"/>
-                          </a:solidFill>
-                        </a:rPr>
-                        <a:t> </a:t>
-                      </a:r>
-                      <a:r>
-                        <a:rPr lang="en-US" sz="1400" dirty="0" smtClean="0">
-                          <a:solidFill>
-                            <a:schemeClr val="bg1"/>
-                          </a:solidFill>
-                        </a:rPr>
-                        <a:t>Prof</a:t>
-                      </a:r>
-                      <a:r>
-                        <a:rPr lang="en-US" sz="1400" dirty="0">
-                          <a:solidFill>
-                            <a:schemeClr val="bg1"/>
-                          </a:solidFill>
-                        </a:rPr>
-                        <a:t>. York Winter</a:t>
-                      </a:r>
-                    </a:p>
-                  </a:txBody>
-                  <a:tcPr anchor="ctr">
-                    <a:lnL>
-                      <a:noFill/>
-                    </a:lnL>
-                    <a:lnR>
-                      <a:noFill/>
-                    </a:lnR>
-                    <a:lnT>
-                      <a:noFill/>
-                    </a:lnT>
-                    <a:lnB>
-                      <a:noFill/>
-                    </a:lnB>
-                    <a:solidFill>
-                      <a:schemeClr val="accent5"/>
-                    </a:solidFill>
-                  </a:tcPr>
-                </a:tc>
-              </a:tr>
-              <a:tr h="0">
-                <a:tc>
-                  <a:txBody>
-                    <a:bodyPr/>
-                    <a:lstStyle/>
-                    <a:p>
-                      <a:r>
-                        <a:rPr lang="en-US" sz="1400" dirty="0">
-                          <a:solidFill>
-                            <a:schemeClr val="bg1"/>
-                          </a:solidFill>
-                        </a:rPr>
-                        <a:t>10:15 - 10:30</a:t>
-                      </a:r>
-                    </a:p>
-                  </a:txBody>
-                  <a:tcPr anchor="ctr">
-                    <a:lnL>
-                      <a:noFill/>
-                    </a:lnL>
-                    <a:lnR>
-                      <a:noFill/>
-                    </a:lnR>
-                    <a:lnT>
-                      <a:noFill/>
-                    </a:lnT>
-                    <a:lnB>
-                      <a:noFill/>
-                    </a:lnB>
-                    <a:noFill/>
-                  </a:tcPr>
-                </a:tc>
-                <a:tc>
-                  <a:txBody>
-                    <a:bodyPr/>
-                    <a:lstStyle/>
-                    <a:p>
-                      <a:r>
-                        <a:rPr lang="en-US" sz="1400" i="1" dirty="0">
-                          <a:solidFill>
-                            <a:schemeClr val="bg1"/>
-                          </a:solidFill>
-                        </a:rPr>
-                        <a:t>Coffee break</a:t>
-                      </a:r>
-                      <a:endParaRPr lang="en-US" sz="1400" dirty="0">
-                        <a:solidFill>
-                          <a:schemeClr val="bg1"/>
-                        </a:solidFill>
-                      </a:endParaRPr>
-                    </a:p>
-                  </a:txBody>
-                  <a:tcPr anchor="ctr">
-                    <a:lnL>
-                      <a:noFill/>
-                    </a:lnL>
-                    <a:lnR>
-                      <a:noFill/>
-                    </a:lnR>
-                    <a:lnT>
-                      <a:noFill/>
-                    </a:lnT>
-                    <a:lnB>
-                      <a:noFill/>
-                    </a:lnB>
-                    <a:noFill/>
-                  </a:tcPr>
-                </a:tc>
-              </a:tr>
-              <a:tr h="0">
-                <a:tc>
-                  <a:txBody>
-                    <a:bodyPr/>
-                    <a:lstStyle/>
-                    <a:p>
-                      <a:r>
-                        <a:rPr lang="en-US" sz="1400" dirty="0">
-                          <a:solidFill>
-                            <a:schemeClr val="bg1"/>
-                          </a:solidFill>
-                        </a:rPr>
-                        <a:t>10:30 - 11:30</a:t>
-                      </a:r>
-                    </a:p>
-                  </a:txBody>
-                  <a:tcPr anchor="ctr">
-                    <a:lnL>
-                      <a:noFill/>
-                    </a:lnL>
-                    <a:lnR>
-                      <a:noFill/>
-                    </a:lnR>
-                    <a:lnT>
-                      <a:noFill/>
-                    </a:lnT>
-                    <a:lnB>
-                      <a:noFill/>
-                    </a:lnB>
-                    <a:solidFill>
-                      <a:schemeClr val="accent5">
-                        <a:lumMod val="40000"/>
-                        <a:lumOff val="60000"/>
-                      </a:schemeClr>
-                    </a:solidFill>
-                  </a:tcPr>
-                </a:tc>
-                <a:tc>
-                  <a:txBody>
-                    <a:bodyPr/>
-                    <a:lstStyle/>
-                    <a:p>
-                      <a:r>
-                        <a:rPr lang="en-US" sz="1400" dirty="0">
-                          <a:solidFill>
-                            <a:schemeClr val="bg1"/>
-                          </a:solidFill>
-                        </a:rPr>
-                        <a:t>Break-out session 2</a:t>
-                      </a:r>
-                    </a:p>
-                  </a:txBody>
-                  <a:tcPr anchor="ctr">
-                    <a:lnL>
-                      <a:noFill/>
-                    </a:lnL>
-                    <a:lnR>
-                      <a:noFill/>
-                    </a:lnR>
-                    <a:lnT>
-                      <a:noFill/>
-                    </a:lnT>
-                    <a:lnB>
-                      <a:noFill/>
-                    </a:lnB>
-                    <a:solidFill>
-                      <a:schemeClr val="accent5">
-                        <a:lumMod val="40000"/>
-                        <a:lumOff val="60000"/>
-                      </a:schemeClr>
-                    </a:solidFill>
-                  </a:tcPr>
-                </a:tc>
-              </a:tr>
-              <a:tr h="0">
-                <a:tc>
-                  <a:txBody>
-                    <a:bodyPr/>
-                    <a:lstStyle/>
-                    <a:p>
-                      <a:r>
-                        <a:rPr lang="en-US" sz="1400">
-                          <a:solidFill>
-                            <a:schemeClr val="bg1"/>
-                          </a:solidFill>
-                        </a:rPr>
-                        <a:t>11:30 - 12:15</a:t>
-                      </a:r>
-                    </a:p>
-                  </a:txBody>
-                  <a:tcPr anchor="ctr">
-                    <a:lnL>
-                      <a:noFill/>
-                    </a:lnL>
-                    <a:lnR>
-                      <a:noFill/>
-                    </a:lnR>
-                    <a:lnT>
-                      <a:noFill/>
-                    </a:lnT>
-                    <a:lnB>
-                      <a:noFill/>
-                    </a:lnB>
-                    <a:solidFill>
-                      <a:schemeClr val="accent5">
-                        <a:lumMod val="40000"/>
-                        <a:lumOff val="60000"/>
-                      </a:schemeClr>
-                    </a:solidFill>
-                  </a:tcPr>
-                </a:tc>
-                <a:tc>
-                  <a:txBody>
-                    <a:bodyPr/>
-                    <a:lstStyle/>
-                    <a:p>
-                      <a:r>
-                        <a:rPr lang="en-US" sz="1400" dirty="0">
-                          <a:solidFill>
-                            <a:schemeClr val="bg1"/>
-                          </a:solidFill>
-                        </a:rPr>
-                        <a:t>Presentations session 2</a:t>
-                      </a:r>
-                    </a:p>
-                  </a:txBody>
-                  <a:tcPr anchor="ctr">
-                    <a:lnL>
-                      <a:noFill/>
-                    </a:lnL>
-                    <a:lnR>
-                      <a:noFill/>
-                    </a:lnR>
-                    <a:lnT>
-                      <a:noFill/>
-                    </a:lnT>
-                    <a:lnB>
-                      <a:noFill/>
-                    </a:lnB>
-                    <a:solidFill>
-                      <a:schemeClr val="accent5">
-                        <a:lumMod val="40000"/>
-                        <a:lumOff val="60000"/>
-                      </a:schemeClr>
-                    </a:solidFill>
-                  </a:tcPr>
-                </a:tc>
-              </a:tr>
-              <a:tr h="0">
-                <a:tc>
-                  <a:txBody>
-                    <a:bodyPr/>
-                    <a:lstStyle/>
-                    <a:p>
-                      <a:r>
-                        <a:rPr lang="en-US" sz="1400">
-                          <a:solidFill>
-                            <a:schemeClr val="bg1"/>
-                          </a:solidFill>
-                        </a:rPr>
-                        <a:t>12:15 - 12:30</a:t>
-                      </a:r>
-                    </a:p>
-                  </a:txBody>
-                  <a:tcPr anchor="ctr">
-                    <a:lnL>
-                      <a:noFill/>
-                    </a:lnL>
-                    <a:lnR>
-                      <a:noFill/>
-                    </a:lnR>
-                    <a:lnT>
-                      <a:noFill/>
-                    </a:lnT>
-                    <a:lnB>
-                      <a:noFill/>
-                    </a:lnB>
-                    <a:noFill/>
-                  </a:tcPr>
-                </a:tc>
-                <a:tc>
-                  <a:txBody>
-                    <a:bodyPr/>
-                    <a:lstStyle/>
-                    <a:p>
-                      <a:r>
-                        <a:rPr lang="en-US" sz="1400" dirty="0">
-                          <a:solidFill>
-                            <a:schemeClr val="bg1"/>
-                          </a:solidFill>
-                        </a:rPr>
-                        <a:t>Wrap-up</a:t>
-                      </a:r>
-                    </a:p>
-                  </a:txBody>
-                  <a:tcPr anchor="ctr">
-                    <a:lnL>
-                      <a:noFill/>
-                    </a:lnL>
-                    <a:lnR>
-                      <a:noFill/>
-                    </a:lnR>
-                    <a:lnT>
-                      <a:noFill/>
-                    </a:lnT>
-                    <a:lnB>
-                      <a:noFill/>
-                    </a:lnB>
-                    <a:noFill/>
-                  </a:tcPr>
-                </a:tc>
-              </a:tr>
-              <a:tr h="0">
-                <a:tc>
-                  <a:txBody>
-                    <a:bodyPr/>
-                    <a:lstStyle/>
-                    <a:p>
-                      <a:r>
-                        <a:rPr lang="en-US" sz="1400">
-                          <a:solidFill>
-                            <a:schemeClr val="bg1"/>
-                          </a:solidFill>
-                        </a:rPr>
-                        <a:t>12:30 - 13:30</a:t>
-                      </a:r>
-                    </a:p>
-                  </a:txBody>
-                  <a:tcPr anchor="ctr">
-                    <a:lnL>
-                      <a:noFill/>
-                    </a:lnL>
-                    <a:lnR>
-                      <a:noFill/>
-                    </a:lnR>
-                    <a:lnT>
-                      <a:noFill/>
-                    </a:lnT>
-                    <a:lnB>
-                      <a:noFill/>
-                    </a:lnB>
-                    <a:noFill/>
-                  </a:tcPr>
-                </a:tc>
-                <a:tc>
-                  <a:txBody>
-                    <a:bodyPr/>
-                    <a:lstStyle/>
-                    <a:p>
-                      <a:r>
-                        <a:rPr lang="en-US" sz="1400" i="1" dirty="0">
-                          <a:solidFill>
-                            <a:schemeClr val="bg1"/>
-                          </a:solidFill>
-                        </a:rPr>
-                        <a:t>Lunch break</a:t>
-                      </a:r>
-                      <a:r>
-                        <a:rPr lang="en-US" sz="1400" dirty="0">
-                          <a:solidFill>
-                            <a:schemeClr val="bg1"/>
-                          </a:solidFill>
-                        </a:rPr>
-                        <a:t> (included)</a:t>
-                      </a:r>
-                    </a:p>
-                  </a:txBody>
-                  <a:tcPr anchor="ctr">
-                    <a:lnL>
-                      <a:noFill/>
-                    </a:lnL>
-                    <a:lnR>
-                      <a:noFill/>
-                    </a:lnR>
-                    <a:lnT>
-                      <a:noFill/>
-                    </a:lnT>
-                    <a:lnB>
-                      <a:noFill/>
-                    </a:lnB>
-                    <a:noFill/>
-                  </a:tcPr>
-                </a:tc>
-              </a:tr>
-              <a:tr h="0">
-                <a:tc>
-                  <a:txBody>
-                    <a:bodyPr/>
-                    <a:lstStyle/>
-                    <a:p>
-                      <a:r>
-                        <a:rPr lang="en-US" sz="1400" dirty="0">
-                          <a:solidFill>
-                            <a:schemeClr val="bg1"/>
-                          </a:solidFill>
-                        </a:rPr>
-                        <a:t>13:30 - 14:30</a:t>
-                      </a:r>
-                    </a:p>
-                  </a:txBody>
-                  <a:tcPr anchor="ctr">
-                    <a:lnL>
-                      <a:noFill/>
-                    </a:lnL>
-                    <a:lnR>
-                      <a:noFill/>
-                    </a:lnR>
-                    <a:lnT>
-                      <a:noFill/>
-                    </a:lnT>
-                    <a:lnB>
-                      <a:noFill/>
-                    </a:lnB>
-                    <a:solidFill>
-                      <a:schemeClr val="accent5"/>
-                    </a:solidFill>
-                  </a:tcPr>
-                </a:tc>
-                <a:tc>
-                  <a:txBody>
-                    <a:bodyPr/>
-                    <a:lstStyle/>
-                    <a:p>
-                      <a:r>
-                        <a:rPr lang="en-US" sz="1400" b="0" dirty="0" smtClean="0">
-                          <a:solidFill>
-                            <a:schemeClr val="bg1"/>
-                          </a:solidFill>
-                        </a:rPr>
-                        <a:t>Keynote</a:t>
-                      </a:r>
-                      <a:r>
-                        <a:rPr lang="en-US" sz="1400" b="0" baseline="0" dirty="0" smtClean="0">
-                          <a:solidFill>
-                            <a:schemeClr val="bg1"/>
-                          </a:solidFill>
-                        </a:rPr>
-                        <a:t> </a:t>
-                      </a:r>
-                      <a:r>
-                        <a:rPr lang="en-US" sz="1400" dirty="0" smtClean="0">
-                          <a:solidFill>
-                            <a:schemeClr val="bg1"/>
-                          </a:solidFill>
-                        </a:rPr>
-                        <a:t>Prof</a:t>
-                      </a:r>
-                      <a:r>
-                        <a:rPr lang="en-US" sz="1400" dirty="0">
-                          <a:solidFill>
-                            <a:schemeClr val="bg1"/>
-                          </a:solidFill>
-                        </a:rPr>
-                        <a:t>. Robert </a:t>
-                      </a:r>
-                      <a:r>
-                        <a:rPr lang="en-US" sz="1400" dirty="0" smtClean="0">
-                          <a:solidFill>
-                            <a:schemeClr val="bg1"/>
-                          </a:solidFill>
-                        </a:rPr>
-                        <a:t>Fisher</a:t>
-                      </a:r>
-                      <a:endParaRPr lang="en-US" sz="1400" dirty="0">
-                        <a:solidFill>
-                          <a:schemeClr val="bg1"/>
-                        </a:solidFill>
-                      </a:endParaRPr>
-                    </a:p>
-                  </a:txBody>
-                  <a:tcPr anchor="ctr">
-                    <a:lnL>
-                      <a:noFill/>
-                    </a:lnL>
-                    <a:lnR>
-                      <a:noFill/>
-                    </a:lnR>
-                    <a:lnT>
-                      <a:noFill/>
-                    </a:lnT>
-                    <a:lnB>
-                      <a:noFill/>
-                    </a:lnB>
-                    <a:solidFill>
-                      <a:schemeClr val="accent5"/>
-                    </a:solidFill>
-                  </a:tcPr>
-                </a:tc>
-              </a:tr>
-              <a:tr h="0">
-                <a:tc>
-                  <a:txBody>
-                    <a:bodyPr/>
-                    <a:lstStyle/>
-                    <a:p>
-                      <a:r>
-                        <a:rPr lang="en-US" sz="1400" dirty="0">
-                          <a:solidFill>
-                            <a:schemeClr val="bg1"/>
-                          </a:solidFill>
-                        </a:rPr>
-                        <a:t>14:30 - 15:30</a:t>
-                      </a:r>
-                    </a:p>
-                  </a:txBody>
-                  <a:tcPr anchor="ctr">
-                    <a:lnL>
-                      <a:noFill/>
-                    </a:lnL>
-                    <a:lnR>
-                      <a:noFill/>
-                    </a:lnR>
-                    <a:lnT>
-                      <a:noFill/>
-                    </a:lnT>
-                    <a:lnB>
-                      <a:noFill/>
-                    </a:lnB>
-                    <a:solidFill>
-                      <a:schemeClr val="accent5">
-                        <a:lumMod val="40000"/>
-                        <a:lumOff val="60000"/>
-                      </a:schemeClr>
-                    </a:solidFill>
-                  </a:tcPr>
-                </a:tc>
-                <a:tc>
-                  <a:txBody>
-                    <a:bodyPr/>
-                    <a:lstStyle/>
-                    <a:p>
-                      <a:r>
-                        <a:rPr lang="en-US" sz="1400" dirty="0">
-                          <a:solidFill>
-                            <a:schemeClr val="bg1"/>
-                          </a:solidFill>
-                        </a:rPr>
-                        <a:t>Break-out session 3</a:t>
-                      </a:r>
-                    </a:p>
-                  </a:txBody>
-                  <a:tcPr anchor="ctr">
-                    <a:lnL>
-                      <a:noFill/>
-                    </a:lnL>
-                    <a:lnR>
-                      <a:noFill/>
-                    </a:lnR>
-                    <a:lnT>
-                      <a:noFill/>
-                    </a:lnT>
-                    <a:lnB>
-                      <a:noFill/>
-                    </a:lnB>
-                    <a:solidFill>
-                      <a:schemeClr val="accent5">
-                        <a:lumMod val="40000"/>
-                        <a:lumOff val="60000"/>
-                      </a:schemeClr>
-                    </a:solidFill>
-                  </a:tcPr>
-                </a:tc>
-              </a:tr>
-              <a:tr h="0">
-                <a:tc>
-                  <a:txBody>
-                    <a:bodyPr/>
-                    <a:lstStyle/>
-                    <a:p>
-                      <a:r>
-                        <a:rPr lang="en-US" sz="1400">
-                          <a:solidFill>
-                            <a:schemeClr val="bg1"/>
-                          </a:solidFill>
-                        </a:rPr>
-                        <a:t>15:30 - 15:45</a:t>
-                      </a:r>
-                    </a:p>
-                  </a:txBody>
-                  <a:tcPr anchor="ctr">
-                    <a:lnL>
-                      <a:noFill/>
-                    </a:lnL>
-                    <a:lnR>
-                      <a:noFill/>
-                    </a:lnR>
-                    <a:lnT>
-                      <a:noFill/>
-                    </a:lnT>
-                    <a:lnB>
-                      <a:noFill/>
-                    </a:lnB>
-                    <a:noFill/>
-                  </a:tcPr>
-                </a:tc>
-                <a:tc>
-                  <a:txBody>
-                    <a:bodyPr/>
-                    <a:lstStyle/>
-                    <a:p>
-                      <a:r>
-                        <a:rPr lang="en-US" sz="1400" i="1" dirty="0">
-                          <a:solidFill>
-                            <a:schemeClr val="bg1"/>
-                          </a:solidFill>
-                        </a:rPr>
-                        <a:t>Coffee break</a:t>
-                      </a:r>
-                      <a:endParaRPr lang="en-US" sz="1400" dirty="0">
-                        <a:solidFill>
-                          <a:schemeClr val="bg1"/>
-                        </a:solidFill>
-                      </a:endParaRPr>
-                    </a:p>
-                  </a:txBody>
-                  <a:tcPr anchor="ctr">
-                    <a:lnL>
-                      <a:noFill/>
-                    </a:lnL>
-                    <a:lnR>
-                      <a:noFill/>
-                    </a:lnR>
-                    <a:lnT>
-                      <a:noFill/>
-                    </a:lnT>
-                    <a:lnB>
-                      <a:noFill/>
-                    </a:lnB>
-                    <a:noFill/>
-                  </a:tcPr>
-                </a:tc>
-              </a:tr>
-              <a:tr h="0">
-                <a:tc>
-                  <a:txBody>
-                    <a:bodyPr/>
-                    <a:lstStyle/>
-                    <a:p>
-                      <a:r>
-                        <a:rPr lang="en-US" sz="1400" dirty="0">
-                          <a:solidFill>
-                            <a:schemeClr val="bg1"/>
-                          </a:solidFill>
-                        </a:rPr>
-                        <a:t>15:45 - 16:30</a:t>
-                      </a:r>
-                    </a:p>
-                  </a:txBody>
-                  <a:tcPr anchor="ctr">
-                    <a:lnL>
-                      <a:noFill/>
-                    </a:lnL>
-                    <a:lnR>
-                      <a:noFill/>
-                    </a:lnR>
-                    <a:lnT>
-                      <a:noFill/>
-                    </a:lnT>
-                    <a:lnB>
-                      <a:noFill/>
-                    </a:lnB>
-                    <a:solidFill>
-                      <a:schemeClr val="accent5">
-                        <a:lumMod val="40000"/>
-                        <a:lumOff val="60000"/>
-                      </a:schemeClr>
-                    </a:solidFill>
-                  </a:tcPr>
-                </a:tc>
-                <a:tc>
-                  <a:txBody>
-                    <a:bodyPr/>
-                    <a:lstStyle/>
-                    <a:p>
-                      <a:r>
-                        <a:rPr lang="en-US" sz="1400" dirty="0">
-                          <a:solidFill>
-                            <a:schemeClr val="bg1"/>
-                          </a:solidFill>
-                        </a:rPr>
-                        <a:t>Presentations session 3</a:t>
-                      </a:r>
-                    </a:p>
-                  </a:txBody>
-                  <a:tcPr anchor="ctr">
-                    <a:lnL>
-                      <a:noFill/>
-                    </a:lnL>
-                    <a:lnR>
-                      <a:noFill/>
-                    </a:lnR>
-                    <a:lnT>
-                      <a:noFill/>
-                    </a:lnT>
-                    <a:lnB>
-                      <a:noFill/>
-                    </a:lnB>
-                    <a:solidFill>
-                      <a:schemeClr val="accent5">
-                        <a:lumMod val="40000"/>
-                        <a:lumOff val="60000"/>
-                      </a:schemeClr>
-                    </a:solidFill>
-                  </a:tcPr>
-                </a:tc>
-              </a:tr>
-              <a:tr h="0">
-                <a:tc>
-                  <a:txBody>
-                    <a:bodyPr/>
-                    <a:lstStyle/>
-                    <a:p>
-                      <a:r>
-                        <a:rPr lang="en-US" sz="1400">
-                          <a:solidFill>
-                            <a:schemeClr val="bg1"/>
-                          </a:solidFill>
-                        </a:rPr>
-                        <a:t>16:30 - 16:45</a:t>
-                      </a:r>
-                    </a:p>
-                  </a:txBody>
-                  <a:tcPr anchor="ctr">
-                    <a:lnL>
-                      <a:noFill/>
-                    </a:lnL>
-                    <a:lnR>
-                      <a:noFill/>
-                    </a:lnR>
-                    <a:lnT>
-                      <a:noFill/>
-                    </a:lnT>
-                    <a:lnB>
-                      <a:noFill/>
-                    </a:lnB>
-                  </a:tcPr>
-                </a:tc>
-                <a:tc>
-                  <a:txBody>
-                    <a:bodyPr/>
-                    <a:lstStyle/>
-                    <a:p>
-                      <a:r>
-                        <a:rPr lang="en-US" sz="1400" dirty="0">
-                          <a:solidFill>
-                            <a:schemeClr val="bg1"/>
-                          </a:solidFill>
-                        </a:rPr>
-                        <a:t>Group discussion</a:t>
-                      </a:r>
-                    </a:p>
-                  </a:txBody>
-                  <a:tcPr anchor="ctr">
-                    <a:lnL>
-                      <a:noFill/>
-                    </a:lnL>
-                    <a:lnR>
-                      <a:noFill/>
-                    </a:lnR>
-                    <a:lnT>
-                      <a:noFill/>
-                    </a:lnT>
-                    <a:lnB>
-                      <a:noFill/>
-                    </a:lnB>
-                  </a:tcPr>
-                </a:tc>
-              </a:tr>
-              <a:tr h="0">
-                <a:tc>
-                  <a:txBody>
-                    <a:bodyPr/>
-                    <a:lstStyle/>
-                    <a:p>
-                      <a:r>
-                        <a:rPr lang="en-US" sz="1400">
-                          <a:solidFill>
-                            <a:schemeClr val="bg1"/>
-                          </a:solidFill>
-                        </a:rPr>
-                        <a:t>16:45 - 17:00</a:t>
-                      </a:r>
-                    </a:p>
-                  </a:txBody>
-                  <a:tcPr anchor="ctr">
-                    <a:lnL>
-                      <a:noFill/>
-                    </a:lnL>
-                    <a:lnR>
-                      <a:noFill/>
-                    </a:lnR>
-                    <a:lnT>
-                      <a:noFill/>
-                    </a:lnT>
-                    <a:lnB>
-                      <a:noFill/>
-                    </a:lnB>
-                    <a:noFill/>
-                  </a:tcPr>
-                </a:tc>
-                <a:tc>
-                  <a:txBody>
-                    <a:bodyPr/>
-                    <a:lstStyle/>
-                    <a:p>
-                      <a:r>
-                        <a:rPr lang="en-US" sz="1400" dirty="0">
-                          <a:solidFill>
-                            <a:schemeClr val="bg1"/>
-                          </a:solidFill>
-                        </a:rPr>
-                        <a:t>Wrap-up</a:t>
-                      </a:r>
-                    </a:p>
-                  </a:txBody>
-                  <a:tcPr anchor="ctr">
-                    <a:lnL>
-                      <a:noFill/>
-                    </a:lnL>
-                    <a:lnR>
-                      <a:noFill/>
-                    </a:lnR>
-                    <a:lnT>
-                      <a:noFill/>
-                    </a:lnT>
-                    <a:lnB>
-                      <a:noFill/>
-                    </a:lnB>
-                    <a:noFill/>
-                  </a:tcPr>
-                </a:tc>
-              </a:tr>
-            </a:tbl>
-          </a:graphicData>
-        </a:graphic>
-      </p:graphicFrame>
       <p:sp>
         <p:nvSpPr>
-          <p:cNvPr id="5" name="TextBox 4"/>
-          <p:cNvSpPr txBox="1"/>
-          <p:nvPr/>
+          <p:cNvPr id="2" name="Title 1"/>
+          <p:cNvSpPr>
+            <a:spLocks noGrp="1"/>
+          </p:cNvSpPr>
+          <p:nvPr>
+            <p:ph type="title"/>
+          </p:nvPr>
         </p:nvSpPr>
-        <p:spPr>
-          <a:xfrm>
-            <a:off x="533400" y="700149"/>
-            <a:ext cx="3832168" cy="369332"/>
-          </a:xfrm>
-          <a:prstGeom prst="rect">
-            <a:avLst/>
-          </a:prstGeom>
-          <a:noFill/>
-        </p:spPr>
+        <p:spPr/>
         <p:txBody>
-          <a:bodyPr wrap="square" rtlCol="0">
-            <a:spAutoFit/>
+          <a:bodyPr/>
+          <a:lstStyle/>
+          <a:p>
+            <a:r>
+              <a:rPr lang="en-US" dirty="0" smtClean="0"/>
+              <a:t>Break-out Session 1</a:t>
+            </a:r>
+            <a:br>
+              <a:rPr lang="en-US" dirty="0" smtClean="0"/>
+            </a:br>
+            <a:r>
+              <a:rPr lang="en-US" sz="2000" dirty="0" smtClean="0"/>
+              <a:t>Finding common ground</a:t>
+            </a:r>
+            <a:endParaRPr lang="en-US" dirty="0"/>
+          </a:p>
+        </p:txBody>
+      </p:sp>
+      <p:sp>
+        <p:nvSpPr>
+          <p:cNvPr id="4" name="Content Placeholder 3"/>
+          <p:cNvSpPr>
+            <a:spLocks noGrp="1"/>
+          </p:cNvSpPr>
+          <p:nvPr>
+            <p:ph sz="half" idx="13"/>
+          </p:nvPr>
+        </p:nvSpPr>
+        <p:spPr/>
+        <p:txBody>
+          <a:bodyPr/>
+          <a:lstStyle/>
+          <a:p>
+            <a:pPr marL="0" indent="0">
+              <a:buNone/>
+            </a:pPr>
+            <a:r>
+              <a:rPr lang="en-US" sz="1800" dirty="0" smtClean="0"/>
+              <a:t>How would an ideal behavior measuring </a:t>
+            </a:r>
+            <a:r>
+              <a:rPr lang="en-US" sz="1800" dirty="0"/>
+              <a:t>method </a:t>
+            </a:r>
+            <a:r>
+              <a:rPr lang="en-US" sz="1800" dirty="0" smtClean="0"/>
+              <a:t>look </a:t>
+            </a:r>
+            <a:r>
+              <a:rPr lang="en-US" sz="1800" dirty="0"/>
+              <a:t>like from the </a:t>
+            </a:r>
+            <a:r>
+              <a:rPr lang="en-US" sz="1800" dirty="0" smtClean="0"/>
+              <a:t>perspectives of </a:t>
+            </a:r>
+          </a:p>
+          <a:p>
+            <a:pPr marL="342900" indent="-342900">
+              <a:buFont typeface="+mj-lt"/>
+              <a:buAutoNum type="alphaLcParenR"/>
+            </a:pPr>
+            <a:r>
+              <a:rPr lang="en-US" sz="1800" dirty="0" smtClean="0"/>
+              <a:t>Neuroscience / Biology and </a:t>
+            </a:r>
+          </a:p>
+          <a:p>
+            <a:pPr marL="342900" indent="-342900">
+              <a:buFont typeface="+mj-lt"/>
+              <a:buAutoNum type="alphaLcParenR"/>
+            </a:pPr>
+            <a:r>
+              <a:rPr lang="en-US" sz="1800" dirty="0" smtClean="0"/>
+              <a:t>Computer </a:t>
+            </a:r>
+            <a:r>
+              <a:rPr lang="en-US" sz="1800" dirty="0"/>
+              <a:t>Science</a:t>
+            </a:r>
+            <a:r>
+              <a:rPr lang="en-US" sz="1800" dirty="0" smtClean="0"/>
+              <a:t>?</a:t>
+            </a:r>
+            <a:endParaRPr lang="en-US" sz="1800" dirty="0"/>
+          </a:p>
+        </p:txBody>
+      </p:sp>
+      <p:sp>
+        <p:nvSpPr>
+          <p:cNvPr id="3" name="Content Placeholder 2"/>
+          <p:cNvSpPr>
+            <a:spLocks noGrp="1"/>
+          </p:cNvSpPr>
+          <p:nvPr>
+            <p:ph sz="quarter" idx="4"/>
+          </p:nvPr>
+        </p:nvSpPr>
+        <p:spPr/>
+        <p:txBody>
+          <a:bodyPr>
+            <a:normAutofit/>
           </a:bodyPr>
           <a:lstStyle/>
           <a:p>
             <a:r>
-              <a:rPr lang="en-US" dirty="0" smtClean="0">
-                <a:solidFill>
-                  <a:schemeClr val="bg2"/>
-                </a:solidFill>
-              </a:rPr>
-              <a:t>Tomorrow</a:t>
-            </a:r>
-            <a:endParaRPr lang="en-US" dirty="0">
-              <a:solidFill>
-                <a:schemeClr val="bg2"/>
-              </a:solidFill>
-            </a:endParaRPr>
+              <a:rPr lang="en-US" sz="1600" dirty="0" smtClean="0"/>
+              <a:t>3 groups</a:t>
+            </a:r>
+          </a:p>
+          <a:p>
+            <a:r>
+              <a:rPr lang="en-US" sz="1600" dirty="0" smtClean="0"/>
+              <a:t>5-7 members per group</a:t>
+            </a:r>
+          </a:p>
+          <a:p>
+            <a:r>
+              <a:rPr lang="en-US" sz="1600" dirty="0" smtClean="0"/>
+              <a:t>Mingle backgrounds</a:t>
+            </a:r>
+          </a:p>
+          <a:p>
+            <a:endParaRPr lang="en-US" sz="1600" dirty="0"/>
+          </a:p>
+          <a:p>
+            <a:r>
+              <a:rPr lang="en-US" sz="1600" dirty="0" smtClean="0"/>
+              <a:t>Until 15:00</a:t>
+            </a:r>
+          </a:p>
+          <a:p>
+            <a:r>
+              <a:rPr lang="en-US" sz="1600" dirty="0" smtClean="0"/>
+              <a:t>Make a few slides and </a:t>
+            </a:r>
+            <a:br>
+              <a:rPr lang="en-US" sz="1600" dirty="0" smtClean="0"/>
+            </a:br>
+            <a:r>
+              <a:rPr lang="en-US" sz="1600" dirty="0" smtClean="0"/>
+              <a:t>present your results</a:t>
+            </a:r>
+            <a:br>
+              <a:rPr lang="en-US" sz="1600" dirty="0" smtClean="0"/>
+            </a:br>
+            <a:r>
+              <a:rPr lang="en-US" sz="1600" dirty="0" smtClean="0"/>
+              <a:t>(10 minutes per group)</a:t>
+            </a:r>
           </a:p>
         </p:txBody>
       </p:sp>
     </p:spTree>
     <p:extLst>
       <p:ext uri="{BB962C8B-B14F-4D97-AF65-F5344CB8AC3E}">
-        <p14:creationId xmlns:p14="http://schemas.microsoft.com/office/powerpoint/2010/main" val="3884282155"/>
+        <p14:creationId xmlns:p14="http://schemas.microsoft.com/office/powerpoint/2010/main" val="4123937235"/>
       </p:ext>
     </p:extLst>
   </p:cSld>
   <p:clrMapOvr>
     <a:masterClrMapping/>
   </p:clrMapOvr>
-  <p:timing>
-    <p:tnLst>
-      <p:par>
-        <p:cTn id="1" dur="indefinite" restart="never" nodeType="tmRoot"/>
-      </p:par>
-    </p:tnLst>
-  </p:timing>
+  <mc:AlternateContent xmlns:mc="http://schemas.openxmlformats.org/markup-compatibility/2006">
+    <mc:Choice xmlns:p14="http://schemas.microsoft.com/office/powerpoint/2010/main" Requires="p14">
+      <p:transition spd="slow" p14:dur="2000"/>
+    </mc:Choice>
+    <mc:Fallback>
+      <p:transition spd="slow"/>
+    </mc:Fallback>
+  </mc:AlternateContent>
 </p:sld>
 </file>
 
